--- a/presentation/poster.pptx
+++ b/presentation/poster.pptx
@@ -212,7 +212,7 @@
           <a:p>
             <a:fld id="{287BFFB9-1AA1-45DD-80AF-62E6D03035AF}" type="datetimeFigureOut">
               <a:rPr lang="en-US" smtClean="0"/>
-              <a:t>3/14/2021</a:t>
+              <a:t>3/18/2021</a:t>
             </a:fld>
             <a:endParaRPr lang="en-US"/>
           </a:p>
@@ -390,7 +390,7 @@
           <a:p>
             <a:fld id="{672B5097-66BC-476E-80C8-B760603B97C9}" type="datetimeFigureOut">
               <a:rPr lang="en-US" smtClean="0"/>
-              <a:t>3/14/2021</a:t>
+              <a:t>3/18/2021</a:t>
             </a:fld>
             <a:endParaRPr lang="en-US"/>
           </a:p>
@@ -789,7 +789,7 @@
           <a:p>
             <a:fld id="{3F92A92A-46FC-4B48-BABE-3B80FA7AFDDD}" type="datetime1">
               <a:rPr lang="en-US" smtClean="0"/>
-              <a:t>3/14/2021</a:t>
+              <a:t>3/18/2021</a:t>
             </a:fld>
             <a:endParaRPr lang="en-US"/>
           </a:p>
@@ -959,7 +959,7 @@
           <a:p>
             <a:fld id="{789C120E-C3F3-4D35-88DF-9BC36F04ADDD}" type="datetime1">
               <a:rPr lang="en-US" smtClean="0"/>
-              <a:t>3/14/2021</a:t>
+              <a:t>3/18/2021</a:t>
             </a:fld>
             <a:endParaRPr lang="en-US"/>
           </a:p>
@@ -1139,7 +1139,7 @@
           <a:p>
             <a:fld id="{810A7097-26E8-4471-B388-C0DBE1CFC71E}" type="datetime1">
               <a:rPr lang="en-US" smtClean="0"/>
-              <a:t>3/14/2021</a:t>
+              <a:t>3/18/2021</a:t>
             </a:fld>
             <a:endParaRPr lang="en-US"/>
           </a:p>
@@ -1309,7 +1309,7 @@
           <a:p>
             <a:fld id="{5F78586E-B69C-4960-8420-359F3E8E45A3}" type="datetime1">
               <a:rPr lang="en-US" smtClean="0"/>
-              <a:t>3/14/2021</a:t>
+              <a:t>3/18/2021</a:t>
             </a:fld>
             <a:endParaRPr lang="en-US"/>
           </a:p>
@@ -1553,7 +1553,7 @@
           <a:p>
             <a:fld id="{4039F476-A6CB-45D4-89C1-A4D6459EB3FC}" type="datetime1">
               <a:rPr lang="en-US" smtClean="0"/>
-              <a:t>3/14/2021</a:t>
+              <a:t>3/18/2021</a:t>
             </a:fld>
             <a:endParaRPr lang="en-US"/>
           </a:p>
@@ -1785,7 +1785,7 @@
           <a:p>
             <a:fld id="{E2800353-7E66-4209-88B4-08AFFC9C3F18}" type="datetime1">
               <a:rPr lang="en-US" smtClean="0"/>
-              <a:t>3/14/2021</a:t>
+              <a:t>3/18/2021</a:t>
             </a:fld>
             <a:endParaRPr lang="en-US"/>
           </a:p>
@@ -2152,7 +2152,7 @@
           <a:p>
             <a:fld id="{0A24BFF4-2F21-441E-B381-489588D6736C}" type="datetime1">
               <a:rPr lang="en-US" smtClean="0"/>
-              <a:t>3/14/2021</a:t>
+              <a:t>3/18/2021</a:t>
             </a:fld>
             <a:endParaRPr lang="en-US"/>
           </a:p>
@@ -2270,7 +2270,7 @@
           <a:p>
             <a:fld id="{04626E6F-DDD5-40D4-B81E-011740AD4BBC}" type="datetime1">
               <a:rPr lang="en-US" smtClean="0"/>
-              <a:t>3/14/2021</a:t>
+              <a:t>3/18/2021</a:t>
             </a:fld>
             <a:endParaRPr lang="en-US"/>
           </a:p>
@@ -2365,7 +2365,7 @@
           <a:p>
             <a:fld id="{AD4FAC3A-C7C9-4388-A60F-55FB70AE71F7}" type="datetime1">
               <a:rPr lang="en-US" smtClean="0"/>
-              <a:t>3/14/2021</a:t>
+              <a:t>3/18/2021</a:t>
             </a:fld>
             <a:endParaRPr lang="en-US"/>
           </a:p>
@@ -2642,7 +2642,7 @@
           <a:p>
             <a:fld id="{26C4C230-3F45-4210-9C56-B96D96D60213}" type="datetime1">
               <a:rPr lang="en-US" smtClean="0"/>
-              <a:t>3/14/2021</a:t>
+              <a:t>3/18/2021</a:t>
             </a:fld>
             <a:endParaRPr lang="en-US"/>
           </a:p>
@@ -2899,7 +2899,7 @@
           <a:p>
             <a:fld id="{089CE8D8-4E7E-4668-BF23-37752045ADB2}" type="datetime1">
               <a:rPr lang="en-US" smtClean="0"/>
-              <a:t>3/14/2021</a:t>
+              <a:t>3/18/2021</a:t>
             </a:fld>
             <a:endParaRPr lang="en-US"/>
           </a:p>
@@ -3112,7 +3112,7 @@
           <a:p>
             <a:fld id="{43795BA4-8ECF-4722-BFC1-5662B4160C92}" type="datetime1">
               <a:rPr lang="en-US" smtClean="0"/>
-              <a:t>3/14/2021</a:t>
+              <a:t>3/18/2021</a:t>
             </a:fld>
             <a:endParaRPr lang="en-US"/>
           </a:p>
